--- a/Presentations/Plantinga_Presentation.pptx
+++ b/Presentations/Plantinga_Presentation.pptx
@@ -295,7 +295,8 @@
           <a:p>
             <a:fld id="{2E1C862C-715F-420F-8458-C8F4AF2E3672}" type="datetimeFigureOut">
               <a:rPr lang="es-MX" smtClean="0"/>
-              <a:t>24/10/2016</a:t>
+              <a:pPr/>
+              <a:t>25/10/2016</a:t>
             </a:fld>
             <a:endParaRPr lang="es-MX"/>
           </a:p>
@@ -337,6 +338,7 @@
           <a:p>
             <a:fld id="{48AAB980-577D-4565-830B-4D153410B4C2}" type="slidenum">
               <a:rPr lang="es-MX" smtClean="0"/>
+              <a:pPr/>
               <a:t>‹Nº›</a:t>
             </a:fld>
             <a:endParaRPr lang="es-MX"/>
@@ -460,7 +462,8 @@
           <a:p>
             <a:fld id="{2E1C862C-715F-420F-8458-C8F4AF2E3672}" type="datetimeFigureOut">
               <a:rPr lang="es-MX" smtClean="0"/>
-              <a:t>24/10/2016</a:t>
+              <a:pPr/>
+              <a:t>25/10/2016</a:t>
             </a:fld>
             <a:endParaRPr lang="es-MX"/>
           </a:p>
@@ -502,6 +505,7 @@
           <a:p>
             <a:fld id="{48AAB980-577D-4565-830B-4D153410B4C2}" type="slidenum">
               <a:rPr lang="es-MX" smtClean="0"/>
+              <a:pPr/>
               <a:t>‹Nº›</a:t>
             </a:fld>
             <a:endParaRPr lang="es-MX"/>
@@ -635,7 +639,8 @@
           <a:p>
             <a:fld id="{2E1C862C-715F-420F-8458-C8F4AF2E3672}" type="datetimeFigureOut">
               <a:rPr lang="es-MX" smtClean="0"/>
-              <a:t>24/10/2016</a:t>
+              <a:pPr/>
+              <a:t>25/10/2016</a:t>
             </a:fld>
             <a:endParaRPr lang="es-MX"/>
           </a:p>
@@ -677,6 +682,7 @@
           <a:p>
             <a:fld id="{48AAB980-577D-4565-830B-4D153410B4C2}" type="slidenum">
               <a:rPr lang="es-MX" smtClean="0"/>
+              <a:pPr/>
               <a:t>‹Nº›</a:t>
             </a:fld>
             <a:endParaRPr lang="es-MX"/>
@@ -800,7 +806,8 @@
           <a:p>
             <a:fld id="{2E1C862C-715F-420F-8458-C8F4AF2E3672}" type="datetimeFigureOut">
               <a:rPr lang="es-MX" smtClean="0"/>
-              <a:t>24/10/2016</a:t>
+              <a:pPr/>
+              <a:t>25/10/2016</a:t>
             </a:fld>
             <a:endParaRPr lang="es-MX"/>
           </a:p>
@@ -842,6 +849,7 @@
           <a:p>
             <a:fld id="{48AAB980-577D-4565-830B-4D153410B4C2}" type="slidenum">
               <a:rPr lang="es-MX" smtClean="0"/>
+              <a:pPr/>
               <a:t>‹Nº›</a:t>
             </a:fld>
             <a:endParaRPr lang="es-MX"/>
@@ -1041,7 +1049,8 @@
           <a:p>
             <a:fld id="{2E1C862C-715F-420F-8458-C8F4AF2E3672}" type="datetimeFigureOut">
               <a:rPr lang="es-MX" smtClean="0"/>
-              <a:t>24/10/2016</a:t>
+              <a:pPr/>
+              <a:t>25/10/2016</a:t>
             </a:fld>
             <a:endParaRPr lang="es-MX"/>
           </a:p>
@@ -1083,6 +1092,7 @@
           <a:p>
             <a:fld id="{48AAB980-577D-4565-830B-4D153410B4C2}" type="slidenum">
               <a:rPr lang="es-MX" smtClean="0"/>
+              <a:pPr/>
               <a:t>‹Nº›</a:t>
             </a:fld>
             <a:endParaRPr lang="es-MX"/>
@@ -1324,7 +1334,8 @@
           <a:p>
             <a:fld id="{2E1C862C-715F-420F-8458-C8F4AF2E3672}" type="datetimeFigureOut">
               <a:rPr lang="es-MX" smtClean="0"/>
-              <a:t>24/10/2016</a:t>
+              <a:pPr/>
+              <a:t>25/10/2016</a:t>
             </a:fld>
             <a:endParaRPr lang="es-MX"/>
           </a:p>
@@ -1366,6 +1377,7 @@
           <a:p>
             <a:fld id="{48AAB980-577D-4565-830B-4D153410B4C2}" type="slidenum">
               <a:rPr lang="es-MX" smtClean="0"/>
+              <a:pPr/>
               <a:t>‹Nº›</a:t>
             </a:fld>
             <a:endParaRPr lang="es-MX"/>
@@ -1741,7 +1753,8 @@
           <a:p>
             <a:fld id="{2E1C862C-715F-420F-8458-C8F4AF2E3672}" type="datetimeFigureOut">
               <a:rPr lang="es-MX" smtClean="0"/>
-              <a:t>24/10/2016</a:t>
+              <a:pPr/>
+              <a:t>25/10/2016</a:t>
             </a:fld>
             <a:endParaRPr lang="es-MX"/>
           </a:p>
@@ -1783,6 +1796,7 @@
           <a:p>
             <a:fld id="{48AAB980-577D-4565-830B-4D153410B4C2}" type="slidenum">
               <a:rPr lang="es-MX" smtClean="0"/>
+              <a:pPr/>
               <a:t>‹Nº›</a:t>
             </a:fld>
             <a:endParaRPr lang="es-MX"/>
@@ -1854,7 +1868,8 @@
           <a:p>
             <a:fld id="{2E1C862C-715F-420F-8458-C8F4AF2E3672}" type="datetimeFigureOut">
               <a:rPr lang="es-MX" smtClean="0"/>
-              <a:t>24/10/2016</a:t>
+              <a:pPr/>
+              <a:t>25/10/2016</a:t>
             </a:fld>
             <a:endParaRPr lang="es-MX"/>
           </a:p>
@@ -1896,6 +1911,7 @@
           <a:p>
             <a:fld id="{48AAB980-577D-4565-830B-4D153410B4C2}" type="slidenum">
               <a:rPr lang="es-MX" smtClean="0"/>
+              <a:pPr/>
               <a:t>‹Nº›</a:t>
             </a:fld>
             <a:endParaRPr lang="es-MX"/>
@@ -1944,7 +1960,8 @@
           <a:p>
             <a:fld id="{2E1C862C-715F-420F-8458-C8F4AF2E3672}" type="datetimeFigureOut">
               <a:rPr lang="es-MX" smtClean="0"/>
-              <a:t>24/10/2016</a:t>
+              <a:pPr/>
+              <a:t>25/10/2016</a:t>
             </a:fld>
             <a:endParaRPr lang="es-MX"/>
           </a:p>
@@ -1986,6 +2003,7 @@
           <a:p>
             <a:fld id="{48AAB980-577D-4565-830B-4D153410B4C2}" type="slidenum">
               <a:rPr lang="es-MX" smtClean="0"/>
+              <a:pPr/>
               <a:t>‹Nº›</a:t>
             </a:fld>
             <a:endParaRPr lang="es-MX"/>
@@ -2216,7 +2234,8 @@
           <a:p>
             <a:fld id="{2E1C862C-715F-420F-8458-C8F4AF2E3672}" type="datetimeFigureOut">
               <a:rPr lang="es-MX" smtClean="0"/>
-              <a:t>24/10/2016</a:t>
+              <a:pPr/>
+              <a:t>25/10/2016</a:t>
             </a:fld>
             <a:endParaRPr lang="es-MX"/>
           </a:p>
@@ -2258,6 +2277,7 @@
           <a:p>
             <a:fld id="{48AAB980-577D-4565-830B-4D153410B4C2}" type="slidenum">
               <a:rPr lang="es-MX" smtClean="0"/>
+              <a:pPr/>
               <a:t>‹Nº›</a:t>
             </a:fld>
             <a:endParaRPr lang="es-MX"/>
@@ -2464,7 +2484,8 @@
           <a:p>
             <a:fld id="{2E1C862C-715F-420F-8458-C8F4AF2E3672}" type="datetimeFigureOut">
               <a:rPr lang="es-MX" smtClean="0"/>
-              <a:t>24/10/2016</a:t>
+              <a:pPr/>
+              <a:t>25/10/2016</a:t>
             </a:fld>
             <a:endParaRPr lang="es-MX"/>
           </a:p>
@@ -2506,6 +2527,7 @@
           <a:p>
             <a:fld id="{48AAB980-577D-4565-830B-4D153410B4C2}" type="slidenum">
               <a:rPr lang="es-MX" smtClean="0"/>
+              <a:pPr/>
               <a:t>‹Nº›</a:t>
             </a:fld>
             <a:endParaRPr lang="es-MX"/>
@@ -2672,7 +2694,8 @@
           <a:p>
             <a:fld id="{2E1C862C-715F-420F-8458-C8F4AF2E3672}" type="datetimeFigureOut">
               <a:rPr lang="es-MX" smtClean="0"/>
-              <a:t>24/10/2016</a:t>
+              <a:pPr/>
+              <a:t>25/10/2016</a:t>
             </a:fld>
             <a:endParaRPr lang="es-MX"/>
           </a:p>
@@ -2750,6 +2773,7 @@
           <a:p>
             <a:fld id="{48AAB980-577D-4565-830B-4D153410B4C2}" type="slidenum">
               <a:rPr lang="es-MX" smtClean="0"/>
+              <a:pPr/>
               <a:t>‹Nº›</a:t>
             </a:fld>
             <a:endParaRPr lang="es-MX"/>
@@ -3067,7 +3091,7 @@
       </p:sp>
       <p:sp>
         <p:nvSpPr>
-          <p:cNvPr id="3" name="2 Subtítulo"/>
+          <p:cNvPr id="4" name="3 Subtítulo"/>
           <p:cNvSpPr>
             <a:spLocks noGrp="1"/>
           </p:cNvSpPr>
@@ -3080,27 +3104,7 @@
           <a:bodyPr/>
           <a:lstStyle/>
           <a:p>
-            <a:r>
-              <a:rPr lang="es-MX" dirty="0" err="1" smtClean="0"/>
-              <a:t>Change</a:t>
-            </a:r>
-            <a:r>
-              <a:rPr lang="es-MX" dirty="0" smtClean="0"/>
-              <a:t> </a:t>
-            </a:r>
-            <a:r>
-              <a:rPr lang="es-MX" dirty="0" err="1" smtClean="0"/>
-              <a:t>title</a:t>
-            </a:r>
-            <a:r>
-              <a:rPr lang="es-MX" dirty="0" smtClean="0"/>
-              <a:t> </a:t>
-            </a:r>
-            <a:r>
-              <a:rPr lang="es-MX" dirty="0" err="1" smtClean="0"/>
-              <a:t>tomorrow</a:t>
-            </a:r>
-            <a:endParaRPr lang="es-MX" dirty="0"/>
+            <a:endParaRPr lang="es-MX"/>
           </a:p>
         </p:txBody>
       </p:sp>
